--- a/slides/18_clustering.pptx
+++ b/slides/18_clustering.pptx
@@ -38160,7 +38160,7 @@
         <p:spPr>
           <a:xfrm>
             <a:off x="566737" y="1104900"/>
-            <a:ext cx="8382000" cy="1723549"/>
+            <a:ext cx="8382000" cy="2185214"/>
           </a:xfrm>
           <a:prstGeom prst="rect">
             <a:avLst/>
@@ -38219,7 +38219,23 @@
                 <a:cs typeface="PFDinTextCompPro-Italic"/>
                 <a:sym typeface="Wingdings"/>
               </a:rPr>
-              <a:t>The similarity criterion is determined by the measure we choose.</a:t>
+              <a:t>The </a:t>
+            </a:r>
+            <a:r>
+              <a:rPr lang="en-US" sz="3000" dirty="0" smtClean="0">
+                <a:latin typeface="PFDinTextCompPro-Italic"/>
+                <a:cs typeface="PFDinTextCompPro-Italic"/>
+                <a:sym typeface="Wingdings"/>
+              </a:rPr>
+              <a:t>similarity (or distance) </a:t>
+            </a:r>
+            <a:r>
+              <a:rPr lang="en-US" sz="3000" dirty="0">
+                <a:latin typeface="PFDinTextCompPro-Italic"/>
+                <a:cs typeface="PFDinTextCompPro-Italic"/>
+                <a:sym typeface="Wingdings"/>
+              </a:rPr>
+              <a:t>criterion is determined by the measure we choose.</a:t>
             </a:r>
           </a:p>
         </p:txBody>
@@ -38670,7 +38686,7 @@
           <a:graphicData uri="http://schemas.openxmlformats.org/presentationml/2006/ole">
             <mc:AlternateContent xmlns:mc="http://schemas.openxmlformats.org/markup-compatibility/2006">
               <mc:Choice xmlns:v="urn:schemas-microsoft-com:vml" Requires="v">
-                <p:oleObj spid="_x0000_s4143" name="Equation" r:id="rId4" imgW="1752480" imgH="342720" progId="Equation.3">
+                <p:oleObj spid="_x0000_s4146" name="Equation" r:id="rId4" imgW="1752480" imgH="342720" progId="Equation.3">
                   <p:embed/>
                 </p:oleObj>
               </mc:Choice>

--- a/slides/18_clustering.pptx
+++ b/slides/18_clustering.pptx
@@ -54,8 +54,8 @@
     <p:sldId id="776" r:id="rId45"/>
     <p:sldId id="656" r:id="rId46"/>
     <p:sldId id="777" r:id="rId47"/>
-    <p:sldId id="783" r:id="rId48"/>
-    <p:sldId id="781" r:id="rId49"/>
+    <p:sldId id="781" r:id="rId48"/>
+    <p:sldId id="899" r:id="rId49"/>
     <p:sldId id="782" r:id="rId50"/>
     <p:sldId id="786" r:id="rId51"/>
     <p:sldId id="789" r:id="rId52"/>
@@ -4761,25 +4761,8 @@
                 <a:latin typeface="ArialMT"/>
                 <a:sym typeface="Wingdings"/>
               </a:rPr>
-              <a:t>Sum of inter-cluster distances to </a:t>
-            </a:r>
-            <a:r>
-              <a:rPr lang="en-US" sz="1200" baseline="0" dirty="0" err="1" smtClean="0">
-                <a:solidFill>
-                  <a:prstClr val="black"/>
-                </a:solidFill>
-                <a:latin typeface="ArialMT"/>
-                <a:sym typeface="Wingdings"/>
-              </a:rPr>
-              <a:t>centriod</a:t>
-            </a:r>
-            <a:endParaRPr lang="en-US" sz="1200" baseline="0" dirty="0" smtClean="0">
-              <a:solidFill>
-                <a:prstClr val="black"/>
-              </a:solidFill>
-              <a:latin typeface="ArialMT"/>
-              <a:sym typeface="Wingdings"/>
-            </a:endParaRPr>
+              <a:t>Distance between centroids in different clusters</a:t>
+            </a:r>
           </a:p>
         </p:txBody>
       </p:sp>
@@ -38686,7 +38669,7 @@
           <a:graphicData uri="http://schemas.openxmlformats.org/presentationml/2006/ole">
             <mc:AlternateContent xmlns:mc="http://schemas.openxmlformats.org/markup-compatibility/2006">
               <mc:Choice xmlns:v="urn:schemas-microsoft-com:vml" Requires="v">
-                <p:oleObj spid="_x0000_s4146" name="Equation" r:id="rId4" imgW="1752480" imgH="342720" progId="Equation.3">
+                <p:oleObj spid="_x0000_s4151" name="Equation" r:id="rId4" imgW="1752480" imgH="342720" progId="Equation.3">
                   <p:embed/>
                 </p:oleObj>
               </mc:Choice>
@@ -40492,7 +40475,7 @@
         </p:nvSpPr>
         <p:spPr>
           <a:xfrm>
-            <a:off x="566737" y="1104900"/>
+            <a:off x="566737" y="952500"/>
             <a:ext cx="8382000" cy="1938992"/>
           </a:xfrm>
           <a:prstGeom prst="rect">
@@ -40519,7 +40502,14 @@
                 <a:latin typeface="PFDinTextCompPro-Italic"/>
                 <a:cs typeface="PFDinTextCompPro-Italic"/>
               </a:rPr>
-              <a:t> measures clustering effectiveness within a cluster.</a:t>
+              <a:t> measures clustering effectiveness within a cluster</a:t>
+            </a:r>
+            <a:r>
+              <a:rPr lang="en-US" sz="3000" dirty="0" smtClean="0">
+                <a:latin typeface="PFDinTextCompPro-Italic"/>
+                <a:cs typeface="PFDinTextCompPro-Italic"/>
+              </a:rPr>
+              <a:t>.  How close are the points?</a:t>
             </a:r>
           </a:p>
           <a:p>
@@ -40531,17 +40521,13 @@
           </a:p>
           <a:p>
             <a:pPr algn="l"/>
-            <a:endParaRPr lang="en-US" sz="3000" dirty="0" smtClean="0">
-              <a:latin typeface="PFDinTextCompPro-Medium"/>
-              <a:cs typeface="PFDinTextCompPro-Medium"/>
-            </a:endParaRPr>
-          </a:p>
-          <a:p>
-            <a:pPr algn="l"/>
-            <a:endParaRPr lang="en-US" sz="3000" dirty="0" smtClean="0">
-              <a:latin typeface="PFDinTextCompPro-Medium"/>
-              <a:cs typeface="PFDinTextCompPro-Medium"/>
-            </a:endParaRPr>
+            <a:r>
+              <a:rPr lang="en-US" sz="3000" dirty="0" smtClean="0">
+                <a:latin typeface="PFDinTextCompPro-Italic"/>
+                <a:cs typeface="PFDinTextCompPro-Italic"/>
+              </a:rPr>
+              <a:t>                   The sum of the distances between a point and its centroid</a:t>
+            </a:r>
           </a:p>
         </p:txBody>
       </p:sp>
@@ -40561,7 +40547,7 @@
         </p:blipFill>
         <p:spPr>
           <a:xfrm>
-            <a:off x="2882900" y="1790700"/>
+            <a:off x="3678237" y="1485900"/>
             <a:ext cx="3594100" cy="1016000"/>
           </a:xfrm>
           <a:prstGeom prst="rect">
@@ -40569,10 +40555,178 @@
           </a:prstGeom>
         </p:spPr>
       </p:pic>
+      <p:cxnSp>
+        <p:nvCxnSpPr>
+          <p:cNvPr id="5" name="Straight Arrow Connector 4"/>
+          <p:cNvCxnSpPr/>
+          <p:nvPr/>
+        </p:nvCxnSpPr>
+        <p:spPr bwMode="auto">
+          <a:xfrm flipV="1">
+            <a:off x="2776537" y="1943100"/>
+            <a:ext cx="2667000" cy="609600"/>
+          </a:xfrm>
+          <a:prstGeom prst="straightConnector1">
+            <a:avLst/>
+          </a:prstGeom>
+          <a:solidFill>
+            <a:schemeClr val="accent1"/>
+          </a:solidFill>
+          <a:ln w="12700" cap="flat" cmpd="sng" algn="ctr">
+            <a:solidFill>
+              <a:srgbClr val="000000"/>
+            </a:solidFill>
+            <a:prstDash val="solid"/>
+            <a:round/>
+            <a:headEnd type="arrow"/>
+            <a:tailEnd type="arrow"/>
+          </a:ln>
+          <a:effectLst/>
+          <a:extLst>
+            <a:ext uri="{AF507438-7753-43e0-B8FC-AC1667EBCBE1}">
+              <a14:hiddenEffects xmlns:a14="http://schemas.microsoft.com/office/drawing/2010/main">
+                <a:effectLst>
+                  <a:outerShdw blurRad="63500" dist="38099" dir="2700000" algn="ctr" rotWithShape="0">
+                    <a:schemeClr val="bg2">
+                      <a:alpha val="74998"/>
+                    </a:schemeClr>
+                  </a:outerShdw>
+                </a:effectLst>
+              </a14:hiddenEffects>
+            </a:ext>
+          </a:extLst>
+        </p:spPr>
+      </p:cxnSp>
+      <p:cxnSp>
+        <p:nvCxnSpPr>
+          <p:cNvPr id="12" name="Straight Arrow Connector 11"/>
+          <p:cNvCxnSpPr/>
+          <p:nvPr/>
+        </p:nvCxnSpPr>
+        <p:spPr bwMode="auto">
+          <a:xfrm flipV="1">
+            <a:off x="4452937" y="2019300"/>
+            <a:ext cx="1600200" cy="457200"/>
+          </a:xfrm>
+          <a:prstGeom prst="straightConnector1">
+            <a:avLst/>
+          </a:prstGeom>
+          <a:solidFill>
+            <a:schemeClr val="accent1"/>
+          </a:solidFill>
+          <a:ln w="12700" cap="flat" cmpd="sng" algn="ctr">
+            <a:solidFill>
+              <a:srgbClr val="000000"/>
+            </a:solidFill>
+            <a:prstDash val="solid"/>
+            <a:round/>
+            <a:headEnd type="arrow"/>
+            <a:tailEnd type="arrow"/>
+          </a:ln>
+          <a:effectLst/>
+          <a:extLst>
+            <a:ext uri="{AF507438-7753-43e0-B8FC-AC1667EBCBE1}">
+              <a14:hiddenEffects xmlns:a14="http://schemas.microsoft.com/office/drawing/2010/main">
+                <a:effectLst>
+                  <a:outerShdw blurRad="63500" dist="38099" dir="2700000" algn="ctr" rotWithShape="0">
+                    <a:schemeClr val="bg2">
+                      <a:alpha val="74998"/>
+                    </a:schemeClr>
+                  </a:outerShdw>
+                </a:effectLst>
+              </a14:hiddenEffects>
+            </a:ext>
+          </a:extLst>
+        </p:spPr>
+      </p:cxnSp>
+      <p:cxnSp>
+        <p:nvCxnSpPr>
+          <p:cNvPr id="17" name="Straight Arrow Connector 16"/>
+          <p:cNvCxnSpPr/>
+          <p:nvPr/>
+        </p:nvCxnSpPr>
+        <p:spPr bwMode="auto">
+          <a:xfrm flipH="1" flipV="1">
+            <a:off x="6434137" y="2095500"/>
+            <a:ext cx="152400" cy="457200"/>
+          </a:xfrm>
+          <a:prstGeom prst="straightConnector1">
+            <a:avLst/>
+          </a:prstGeom>
+          <a:solidFill>
+            <a:schemeClr val="accent1"/>
+          </a:solidFill>
+          <a:ln w="12700" cap="flat" cmpd="sng" algn="ctr">
+            <a:solidFill>
+              <a:srgbClr val="000000"/>
+            </a:solidFill>
+            <a:prstDash val="solid"/>
+            <a:round/>
+            <a:headEnd type="arrow"/>
+            <a:tailEnd type="arrow"/>
+          </a:ln>
+          <a:effectLst/>
+          <a:extLst>
+            <a:ext uri="{AF507438-7753-43e0-B8FC-AC1667EBCBE1}">
+              <a14:hiddenEffects xmlns:a14="http://schemas.microsoft.com/office/drawing/2010/main">
+                <a:effectLst>
+                  <a:outerShdw blurRad="63500" dist="38099" dir="2700000" algn="ctr" rotWithShape="0">
+                    <a:schemeClr val="bg2">
+                      <a:alpha val="74998"/>
+                    </a:schemeClr>
+                  </a:outerShdw>
+                </a:effectLst>
+              </a14:hiddenEffects>
+            </a:ext>
+          </a:extLst>
+        </p:spPr>
+      </p:cxnSp>
+      <p:cxnSp>
+        <p:nvCxnSpPr>
+          <p:cNvPr id="20" name="Straight Arrow Connector 19"/>
+          <p:cNvCxnSpPr/>
+          <p:nvPr/>
+        </p:nvCxnSpPr>
+        <p:spPr bwMode="auto">
+          <a:xfrm flipH="1" flipV="1">
+            <a:off x="6891337" y="2095500"/>
+            <a:ext cx="1295400" cy="381000"/>
+          </a:xfrm>
+          <a:prstGeom prst="straightConnector1">
+            <a:avLst/>
+          </a:prstGeom>
+          <a:solidFill>
+            <a:schemeClr val="accent1"/>
+          </a:solidFill>
+          <a:ln w="12700" cap="flat" cmpd="sng" algn="ctr">
+            <a:solidFill>
+              <a:srgbClr val="000000"/>
+            </a:solidFill>
+            <a:prstDash val="solid"/>
+            <a:round/>
+            <a:headEnd type="arrow"/>
+            <a:tailEnd type="arrow"/>
+          </a:ln>
+          <a:effectLst/>
+          <a:extLst>
+            <a:ext uri="{AF507438-7753-43e0-B8FC-AC1667EBCBE1}">
+              <a14:hiddenEffects xmlns:a14="http://schemas.microsoft.com/office/drawing/2010/main">
+                <a:effectLst>
+                  <a:outerShdw blurRad="63500" dist="38099" dir="2700000" algn="ctr" rotWithShape="0">
+                    <a:schemeClr val="bg2">
+                      <a:alpha val="74998"/>
+                    </a:schemeClr>
+                  </a:outerShdw>
+                </a:effectLst>
+              </a14:hiddenEffects>
+            </a:ext>
+          </a:extLst>
+        </p:spPr>
+      </p:cxnSp>
     </p:spTree>
     <p:extLst>
       <p:ext uri="{BB962C8B-B14F-4D97-AF65-F5344CB8AC3E}">
-        <p14:creationId xmlns:p14="http://schemas.microsoft.com/office/powerpoint/2010/main" val="4272322541"/>
+        <p14:creationId xmlns:p14="http://schemas.microsoft.com/office/powerpoint/2010/main" val="2149063600"/>
       </p:ext>
     </p:extLst>
   </p:cSld>
@@ -40583,7 +40737,210 @@
   <p:timing>
     <p:tnLst>
       <p:par>
-        <p:cTn xmlns:p14="http://schemas.microsoft.com/office/powerpoint/2010/main" id="1" dur="indefinite" restart="never" nodeType="tmRoot"/>
+        <p:cTn xmlns:p14="http://schemas.microsoft.com/office/powerpoint/2010/main" id="1" dur="indefinite" restart="never" nodeType="tmRoot">
+          <p:childTnLst>
+            <p:seq concurrent="1" nextAc="seek">
+              <p:cTn id="2" dur="indefinite" nodeType="mainSeq">
+                <p:childTnLst>
+                  <p:par>
+                    <p:cTn id="3" fill="hold">
+                      <p:stCondLst>
+                        <p:cond delay="indefinite"/>
+                      </p:stCondLst>
+                      <p:childTnLst>
+                        <p:par>
+                          <p:cTn id="4" fill="hold">
+                            <p:stCondLst>
+                              <p:cond delay="0"/>
+                            </p:stCondLst>
+                            <p:childTnLst>
+                              <p:par>
+                                <p:cTn id="5" presetID="1" presetClass="entr" presetSubtype="0" fill="hold" nodeType="clickEffect">
+                                  <p:stCondLst>
+                                    <p:cond delay="0"/>
+                                  </p:stCondLst>
+                                  <p:childTnLst>
+                                    <p:set>
+                                      <p:cBhvr>
+                                        <p:cTn id="6" dur="1" fill="hold">
+                                          <p:stCondLst>
+                                            <p:cond delay="0"/>
+                                          </p:stCondLst>
+                                        </p:cTn>
+                                        <p:tgtEl>
+                                          <p:spTgt spid="5"/>
+                                        </p:tgtEl>
+                                        <p:attrNameLst>
+                                          <p:attrName>style.visibility</p:attrName>
+                                        </p:attrNameLst>
+                                      </p:cBhvr>
+                                      <p:to>
+                                        <p:strVal val="visible"/>
+                                      </p:to>
+                                    </p:set>
+                                  </p:childTnLst>
+                                </p:cTn>
+                              </p:par>
+                            </p:childTnLst>
+                          </p:cTn>
+                        </p:par>
+                      </p:childTnLst>
+                    </p:cTn>
+                  </p:par>
+                  <p:par>
+                    <p:cTn id="7" fill="hold">
+                      <p:stCondLst>
+                        <p:cond delay="indefinite"/>
+                      </p:stCondLst>
+                      <p:childTnLst>
+                        <p:par>
+                          <p:cTn id="8" fill="hold">
+                            <p:stCondLst>
+                              <p:cond delay="0"/>
+                            </p:stCondLst>
+                            <p:childTnLst>
+                              <p:par>
+                                <p:cTn id="9" presetID="1" presetClass="entr" presetSubtype="0" fill="hold" nodeType="clickEffect">
+                                  <p:stCondLst>
+                                    <p:cond delay="0"/>
+                                  </p:stCondLst>
+                                  <p:childTnLst>
+                                    <p:set>
+                                      <p:cBhvr>
+                                        <p:cTn id="10" dur="1" fill="hold">
+                                          <p:stCondLst>
+                                            <p:cond delay="0"/>
+                                          </p:stCondLst>
+                                        </p:cTn>
+                                        <p:tgtEl>
+                                          <p:spTgt spid="12"/>
+                                        </p:tgtEl>
+                                        <p:attrNameLst>
+                                          <p:attrName>style.visibility</p:attrName>
+                                        </p:attrNameLst>
+                                      </p:cBhvr>
+                                      <p:to>
+                                        <p:strVal val="visible"/>
+                                      </p:to>
+                                    </p:set>
+                                  </p:childTnLst>
+                                </p:cTn>
+                              </p:par>
+                            </p:childTnLst>
+                          </p:cTn>
+                        </p:par>
+                      </p:childTnLst>
+                    </p:cTn>
+                  </p:par>
+                  <p:par>
+                    <p:cTn id="11" fill="hold">
+                      <p:stCondLst>
+                        <p:cond delay="indefinite"/>
+                      </p:stCondLst>
+                      <p:childTnLst>
+                        <p:par>
+                          <p:cTn id="12" fill="hold">
+                            <p:stCondLst>
+                              <p:cond delay="0"/>
+                            </p:stCondLst>
+                            <p:childTnLst>
+                              <p:par>
+                                <p:cTn id="13" presetID="1" presetClass="entr" presetSubtype="0" fill="hold" nodeType="clickEffect">
+                                  <p:stCondLst>
+                                    <p:cond delay="0"/>
+                                  </p:stCondLst>
+                                  <p:childTnLst>
+                                    <p:set>
+                                      <p:cBhvr>
+                                        <p:cTn id="14" dur="1" fill="hold">
+                                          <p:stCondLst>
+                                            <p:cond delay="0"/>
+                                          </p:stCondLst>
+                                        </p:cTn>
+                                        <p:tgtEl>
+                                          <p:spTgt spid="17"/>
+                                        </p:tgtEl>
+                                        <p:attrNameLst>
+                                          <p:attrName>style.visibility</p:attrName>
+                                        </p:attrNameLst>
+                                      </p:cBhvr>
+                                      <p:to>
+                                        <p:strVal val="visible"/>
+                                      </p:to>
+                                    </p:set>
+                                  </p:childTnLst>
+                                </p:cTn>
+                              </p:par>
+                            </p:childTnLst>
+                          </p:cTn>
+                        </p:par>
+                      </p:childTnLst>
+                    </p:cTn>
+                  </p:par>
+                  <p:par>
+                    <p:cTn id="15" fill="hold">
+                      <p:stCondLst>
+                        <p:cond delay="indefinite"/>
+                      </p:stCondLst>
+                      <p:childTnLst>
+                        <p:par>
+                          <p:cTn id="16" fill="hold">
+                            <p:stCondLst>
+                              <p:cond delay="0"/>
+                            </p:stCondLst>
+                            <p:childTnLst>
+                              <p:par>
+                                <p:cTn id="17" presetID="1" presetClass="entr" presetSubtype="0" fill="hold" nodeType="clickEffect">
+                                  <p:stCondLst>
+                                    <p:cond delay="0"/>
+                                  </p:stCondLst>
+                                  <p:childTnLst>
+                                    <p:set>
+                                      <p:cBhvr>
+                                        <p:cTn id="18" dur="1" fill="hold">
+                                          <p:stCondLst>
+                                            <p:cond delay="0"/>
+                                          </p:stCondLst>
+                                        </p:cTn>
+                                        <p:tgtEl>
+                                          <p:spTgt spid="20"/>
+                                        </p:tgtEl>
+                                        <p:attrNameLst>
+                                          <p:attrName>style.visibility</p:attrName>
+                                        </p:attrNameLst>
+                                      </p:cBhvr>
+                                      <p:to>
+                                        <p:strVal val="visible"/>
+                                      </p:to>
+                                    </p:set>
+                                  </p:childTnLst>
+                                </p:cTn>
+                              </p:par>
+                            </p:childTnLst>
+                          </p:cTn>
+                        </p:par>
+                      </p:childTnLst>
+                    </p:cTn>
+                  </p:par>
+                </p:childTnLst>
+              </p:cTn>
+              <p:prevCondLst>
+                <p:cond evt="onPrev" delay="0">
+                  <p:tgtEl>
+                    <p:sldTgt/>
+                  </p:tgtEl>
+                </p:cond>
+              </p:prevCondLst>
+              <p:nextCondLst>
+                <p:cond evt="onNext" delay="0">
+                  <p:tgtEl>
+                    <p:sldTgt/>
+                  </p:tgtEl>
+                </p:cond>
+              </p:nextCondLst>
+            </p:seq>
+          </p:childTnLst>
+        </p:cTn>
       </p:par>
     </p:tnLst>
   </p:timing>
@@ -40678,8 +41035,8 @@
         </p:nvSpPr>
         <p:spPr>
           <a:xfrm>
-            <a:off x="566737" y="1104900"/>
-            <a:ext cx="8382000" cy="2400657"/>
+            <a:off x="566737" y="952500"/>
+            <a:ext cx="8382000" cy="4247317"/>
           </a:xfrm>
           <a:prstGeom prst="rect">
             <a:avLst/>
@@ -40705,7 +41062,14 @@
                 <a:latin typeface="PFDinTextCompPro-Italic"/>
                 <a:cs typeface="PFDinTextCompPro-Italic"/>
               </a:rPr>
-              <a:t> measures clustering effectiveness within a cluster.</a:t>
+              <a:t> measures clustering effectiveness within a cluster</a:t>
+            </a:r>
+            <a:r>
+              <a:rPr lang="en-US" sz="3000" dirty="0" smtClean="0">
+                <a:latin typeface="PFDinTextCompPro-Italic"/>
+                <a:cs typeface="PFDinTextCompPro-Italic"/>
+              </a:rPr>
+              <a:t>.  How close are the points?</a:t>
             </a:r>
           </a:p>
           <a:p>
@@ -40717,10 +41081,13 @@
           </a:p>
           <a:p>
             <a:pPr algn="l"/>
-            <a:endParaRPr lang="en-US" sz="3000" dirty="0" smtClean="0">
-              <a:latin typeface="PFDinTextCompPro-Medium"/>
-              <a:cs typeface="PFDinTextCompPro-Medium"/>
-            </a:endParaRPr>
+            <a:r>
+              <a:rPr lang="en-US" sz="3000" dirty="0" smtClean="0">
+                <a:latin typeface="PFDinTextCompPro-Italic"/>
+                <a:cs typeface="PFDinTextCompPro-Italic"/>
+              </a:rPr>
+              <a:t>                   The sum of the distances between a point and its centroid</a:t>
+            </a:r>
           </a:p>
           <a:p>
             <a:pPr algn="l"/>
@@ -40743,7 +41110,31 @@
                 <a:latin typeface="PFDinTextCompPro-Italic"/>
                 <a:cs typeface="PFDinTextCompPro-Italic"/>
               </a:rPr>
-              <a:t> measures clustering effectiveness between clusters.</a:t>
+              <a:t> measures clustering effectiveness between clusters</a:t>
+            </a:r>
+            <a:r>
+              <a:rPr lang="en-US" sz="3000" dirty="0" smtClean="0">
+                <a:latin typeface="PFDinTextCompPro-Italic"/>
+                <a:cs typeface="PFDinTextCompPro-Italic"/>
+              </a:rPr>
+              <a:t>.  How close are the clusters?</a:t>
+            </a:r>
+          </a:p>
+          <a:p>
+            <a:pPr algn="l"/>
+            <a:endParaRPr lang="en-US" sz="3000" dirty="0" smtClean="0">
+              <a:latin typeface="PFDinTextCompPro-Medium"/>
+              <a:cs typeface="PFDinTextCompPro-Medium"/>
+            </a:endParaRPr>
+          </a:p>
+          <a:p>
+            <a:pPr algn="l"/>
+            <a:r>
+              <a:rPr lang="en-US" sz="3000" dirty="0" smtClean="0">
+                <a:latin typeface="PFDinTextCompPro-Italic"/>
+                <a:cs typeface="PFDinTextCompPro-Italic"/>
+              </a:rPr>
+              <a:t>                                           The distance between clusters</a:t>
             </a:r>
             <a:endParaRPr lang="en-US" sz="3000" dirty="0" smtClean="0">
               <a:latin typeface="PFDinTextCompPro-Medium"/>
@@ -40768,7 +41159,7 @@
         </p:blipFill>
         <p:spPr>
           <a:xfrm>
-            <a:off x="2882900" y="1790700"/>
+            <a:off x="3678237" y="1485900"/>
             <a:ext cx="3594100" cy="1016000"/>
           </a:xfrm>
           <a:prstGeom prst="rect">
@@ -40792,7 +41183,7 @@
         </p:blipFill>
         <p:spPr>
           <a:xfrm>
-            <a:off x="2857500" y="3822700"/>
+            <a:off x="3563937" y="3822700"/>
             <a:ext cx="3632200" cy="711200"/>
           </a:xfrm>
           <a:prstGeom prst="rect">
@@ -40800,10 +41191,262 @@
           </a:prstGeom>
         </p:spPr>
       </p:pic>
+      <p:cxnSp>
+        <p:nvCxnSpPr>
+          <p:cNvPr id="5" name="Straight Arrow Connector 4"/>
+          <p:cNvCxnSpPr/>
+          <p:nvPr/>
+        </p:nvCxnSpPr>
+        <p:spPr bwMode="auto">
+          <a:xfrm flipV="1">
+            <a:off x="2776537" y="1943100"/>
+            <a:ext cx="2667000" cy="609600"/>
+          </a:xfrm>
+          <a:prstGeom prst="straightConnector1">
+            <a:avLst/>
+          </a:prstGeom>
+          <a:solidFill>
+            <a:schemeClr val="accent1"/>
+          </a:solidFill>
+          <a:ln w="12700" cap="flat" cmpd="sng" algn="ctr">
+            <a:solidFill>
+              <a:srgbClr val="000000"/>
+            </a:solidFill>
+            <a:prstDash val="solid"/>
+            <a:round/>
+            <a:headEnd type="arrow"/>
+            <a:tailEnd type="arrow"/>
+          </a:ln>
+          <a:effectLst/>
+          <a:extLst>
+            <a:ext uri="{AF507438-7753-43e0-B8FC-AC1667EBCBE1}">
+              <a14:hiddenEffects xmlns:a14="http://schemas.microsoft.com/office/drawing/2010/main">
+                <a:effectLst>
+                  <a:outerShdw blurRad="63500" dist="38099" dir="2700000" algn="ctr" rotWithShape="0">
+                    <a:schemeClr val="bg2">
+                      <a:alpha val="74998"/>
+                    </a:schemeClr>
+                  </a:outerShdw>
+                </a:effectLst>
+              </a14:hiddenEffects>
+            </a:ext>
+          </a:extLst>
+        </p:spPr>
+      </p:cxnSp>
+      <p:cxnSp>
+        <p:nvCxnSpPr>
+          <p:cNvPr id="12" name="Straight Arrow Connector 11"/>
+          <p:cNvCxnSpPr/>
+          <p:nvPr/>
+        </p:nvCxnSpPr>
+        <p:spPr bwMode="auto">
+          <a:xfrm flipV="1">
+            <a:off x="4452937" y="2019300"/>
+            <a:ext cx="1600200" cy="457200"/>
+          </a:xfrm>
+          <a:prstGeom prst="straightConnector1">
+            <a:avLst/>
+          </a:prstGeom>
+          <a:solidFill>
+            <a:schemeClr val="accent1"/>
+          </a:solidFill>
+          <a:ln w="12700" cap="flat" cmpd="sng" algn="ctr">
+            <a:solidFill>
+              <a:srgbClr val="000000"/>
+            </a:solidFill>
+            <a:prstDash val="solid"/>
+            <a:round/>
+            <a:headEnd type="arrow"/>
+            <a:tailEnd type="arrow"/>
+          </a:ln>
+          <a:effectLst/>
+          <a:extLst>
+            <a:ext uri="{AF507438-7753-43e0-B8FC-AC1667EBCBE1}">
+              <a14:hiddenEffects xmlns:a14="http://schemas.microsoft.com/office/drawing/2010/main">
+                <a:effectLst>
+                  <a:outerShdw blurRad="63500" dist="38099" dir="2700000" algn="ctr" rotWithShape="0">
+                    <a:schemeClr val="bg2">
+                      <a:alpha val="74998"/>
+                    </a:schemeClr>
+                  </a:outerShdw>
+                </a:effectLst>
+              </a14:hiddenEffects>
+            </a:ext>
+          </a:extLst>
+        </p:spPr>
+      </p:cxnSp>
+      <p:cxnSp>
+        <p:nvCxnSpPr>
+          <p:cNvPr id="17" name="Straight Arrow Connector 16"/>
+          <p:cNvCxnSpPr/>
+          <p:nvPr/>
+        </p:nvCxnSpPr>
+        <p:spPr bwMode="auto">
+          <a:xfrm flipH="1" flipV="1">
+            <a:off x="6434137" y="2095500"/>
+            <a:ext cx="152400" cy="457200"/>
+          </a:xfrm>
+          <a:prstGeom prst="straightConnector1">
+            <a:avLst/>
+          </a:prstGeom>
+          <a:solidFill>
+            <a:schemeClr val="accent1"/>
+          </a:solidFill>
+          <a:ln w="12700" cap="flat" cmpd="sng" algn="ctr">
+            <a:solidFill>
+              <a:srgbClr val="000000"/>
+            </a:solidFill>
+            <a:prstDash val="solid"/>
+            <a:round/>
+            <a:headEnd type="arrow"/>
+            <a:tailEnd type="arrow"/>
+          </a:ln>
+          <a:effectLst/>
+          <a:extLst>
+            <a:ext uri="{AF507438-7753-43e0-B8FC-AC1667EBCBE1}">
+              <a14:hiddenEffects xmlns:a14="http://schemas.microsoft.com/office/drawing/2010/main">
+                <a:effectLst>
+                  <a:outerShdw blurRad="63500" dist="38099" dir="2700000" algn="ctr" rotWithShape="0">
+                    <a:schemeClr val="bg2">
+                      <a:alpha val="74998"/>
+                    </a:schemeClr>
+                  </a:outerShdw>
+                </a:effectLst>
+              </a14:hiddenEffects>
+            </a:ext>
+          </a:extLst>
+        </p:spPr>
+      </p:cxnSp>
+      <p:cxnSp>
+        <p:nvCxnSpPr>
+          <p:cNvPr id="20" name="Straight Arrow Connector 19"/>
+          <p:cNvCxnSpPr/>
+          <p:nvPr/>
+        </p:nvCxnSpPr>
+        <p:spPr bwMode="auto">
+          <a:xfrm flipH="1" flipV="1">
+            <a:off x="6891337" y="2095500"/>
+            <a:ext cx="1295400" cy="381000"/>
+          </a:xfrm>
+          <a:prstGeom prst="straightConnector1">
+            <a:avLst/>
+          </a:prstGeom>
+          <a:solidFill>
+            <a:schemeClr val="accent1"/>
+          </a:solidFill>
+          <a:ln w="12700" cap="flat" cmpd="sng" algn="ctr">
+            <a:solidFill>
+              <a:srgbClr val="000000"/>
+            </a:solidFill>
+            <a:prstDash val="solid"/>
+            <a:round/>
+            <a:headEnd type="arrow"/>
+            <a:tailEnd type="arrow"/>
+          </a:ln>
+          <a:effectLst/>
+          <a:extLst>
+            <a:ext uri="{AF507438-7753-43e0-B8FC-AC1667EBCBE1}">
+              <a14:hiddenEffects xmlns:a14="http://schemas.microsoft.com/office/drawing/2010/main">
+                <a:effectLst>
+                  <a:outerShdw blurRad="63500" dist="38099" dir="2700000" algn="ctr" rotWithShape="0">
+                    <a:schemeClr val="bg2">
+                      <a:alpha val="74998"/>
+                    </a:schemeClr>
+                  </a:outerShdw>
+                </a:effectLst>
+              </a14:hiddenEffects>
+            </a:ext>
+          </a:extLst>
+        </p:spPr>
+      </p:cxnSp>
+      <p:cxnSp>
+        <p:nvCxnSpPr>
+          <p:cNvPr id="36" name="Straight Arrow Connector 35"/>
+          <p:cNvCxnSpPr/>
+          <p:nvPr/>
+        </p:nvCxnSpPr>
+        <p:spPr bwMode="auto">
+          <a:xfrm flipV="1">
+            <a:off x="4757737" y="4305300"/>
+            <a:ext cx="990600" cy="533400"/>
+          </a:xfrm>
+          <a:prstGeom prst="straightConnector1">
+            <a:avLst/>
+          </a:prstGeom>
+          <a:solidFill>
+            <a:schemeClr val="accent1"/>
+          </a:solidFill>
+          <a:ln w="12700" cap="flat" cmpd="sng" algn="ctr">
+            <a:solidFill>
+              <a:srgbClr val="000000"/>
+            </a:solidFill>
+            <a:prstDash val="solid"/>
+            <a:round/>
+            <a:headEnd type="arrow"/>
+            <a:tailEnd type="arrow"/>
+          </a:ln>
+          <a:effectLst/>
+          <a:extLst>
+            <a:ext uri="{AF507438-7753-43e0-B8FC-AC1667EBCBE1}">
+              <a14:hiddenEffects xmlns:a14="http://schemas.microsoft.com/office/drawing/2010/main">
+                <a:effectLst>
+                  <a:outerShdw blurRad="63500" dist="38099" dir="2700000" algn="ctr" rotWithShape="0">
+                    <a:schemeClr val="bg2">
+                      <a:alpha val="74998"/>
+                    </a:schemeClr>
+                  </a:outerShdw>
+                </a:effectLst>
+              </a14:hiddenEffects>
+            </a:ext>
+          </a:extLst>
+        </p:spPr>
+      </p:cxnSp>
+      <p:cxnSp>
+        <p:nvCxnSpPr>
+          <p:cNvPr id="39" name="Straight Arrow Connector 38"/>
+          <p:cNvCxnSpPr/>
+          <p:nvPr/>
+        </p:nvCxnSpPr>
+        <p:spPr bwMode="auto">
+          <a:xfrm flipH="1" flipV="1">
+            <a:off x="6434137" y="4381500"/>
+            <a:ext cx="457200" cy="381000"/>
+          </a:xfrm>
+          <a:prstGeom prst="straightConnector1">
+            <a:avLst/>
+          </a:prstGeom>
+          <a:solidFill>
+            <a:schemeClr val="accent1"/>
+          </a:solidFill>
+          <a:ln w="12700" cap="flat" cmpd="sng" algn="ctr">
+            <a:solidFill>
+              <a:srgbClr val="000000"/>
+            </a:solidFill>
+            <a:prstDash val="solid"/>
+            <a:round/>
+            <a:headEnd type="arrow"/>
+            <a:tailEnd type="arrow"/>
+          </a:ln>
+          <a:effectLst/>
+          <a:extLst>
+            <a:ext uri="{AF507438-7753-43e0-B8FC-AC1667EBCBE1}">
+              <a14:hiddenEffects xmlns:a14="http://schemas.microsoft.com/office/drawing/2010/main">
+                <a:effectLst>
+                  <a:outerShdw blurRad="63500" dist="38099" dir="2700000" algn="ctr" rotWithShape="0">
+                    <a:schemeClr val="bg2">
+                      <a:alpha val="74998"/>
+                    </a:schemeClr>
+                  </a:outerShdw>
+                </a:effectLst>
+              </a14:hiddenEffects>
+            </a:ext>
+          </a:extLst>
+        </p:spPr>
+      </p:cxnSp>
     </p:spTree>
     <p:extLst>
       <p:ext uri="{BB962C8B-B14F-4D97-AF65-F5344CB8AC3E}">
-        <p14:creationId xmlns:p14="http://schemas.microsoft.com/office/powerpoint/2010/main" val="2149063600"/>
+        <p14:creationId xmlns:p14="http://schemas.microsoft.com/office/powerpoint/2010/main" val="2837978611"/>
       </p:ext>
     </p:extLst>
   </p:cSld>
@@ -40814,7 +41457,120 @@
   <p:timing>
     <p:tnLst>
       <p:par>
-        <p:cTn xmlns:p14="http://schemas.microsoft.com/office/powerpoint/2010/main" id="1" dur="indefinite" restart="never" nodeType="tmRoot"/>
+        <p:cTn xmlns:p14="http://schemas.microsoft.com/office/powerpoint/2010/main" id="1" dur="indefinite" restart="never" nodeType="tmRoot">
+          <p:childTnLst>
+            <p:seq concurrent="1" nextAc="seek">
+              <p:cTn id="2" dur="indefinite" nodeType="mainSeq">
+                <p:childTnLst>
+                  <p:par>
+                    <p:cTn id="3" fill="hold">
+                      <p:stCondLst>
+                        <p:cond delay="indefinite"/>
+                      </p:stCondLst>
+                      <p:childTnLst>
+                        <p:par>
+                          <p:cTn id="4" fill="hold">
+                            <p:stCondLst>
+                              <p:cond delay="0"/>
+                            </p:stCondLst>
+                            <p:childTnLst>
+                              <p:par>
+                                <p:cTn id="5" presetID="1" presetClass="entr" presetSubtype="0" fill="hold" nodeType="clickEffect">
+                                  <p:stCondLst>
+                                    <p:cond delay="0"/>
+                                  </p:stCondLst>
+                                  <p:childTnLst>
+                                    <p:set>
+                                      <p:cBhvr>
+                                        <p:cTn id="6" dur="1" fill="hold">
+                                          <p:stCondLst>
+                                            <p:cond delay="0"/>
+                                          </p:stCondLst>
+                                        </p:cTn>
+                                        <p:tgtEl>
+                                          <p:spTgt spid="36"/>
+                                        </p:tgtEl>
+                                        <p:attrNameLst>
+                                          <p:attrName>style.visibility</p:attrName>
+                                        </p:attrNameLst>
+                                      </p:cBhvr>
+                                      <p:to>
+                                        <p:strVal val="visible"/>
+                                      </p:to>
+                                    </p:set>
+                                  </p:childTnLst>
+                                </p:cTn>
+                              </p:par>
+                            </p:childTnLst>
+                          </p:cTn>
+                        </p:par>
+                      </p:childTnLst>
+                    </p:cTn>
+                  </p:par>
+                  <p:par>
+                    <p:cTn id="7" fill="hold">
+                      <p:stCondLst>
+                        <p:cond delay="indefinite"/>
+                      </p:stCondLst>
+                      <p:childTnLst>
+                        <p:par>
+                          <p:cTn id="8" fill="hold">
+                            <p:stCondLst>
+                              <p:cond delay="0"/>
+                            </p:stCondLst>
+                            <p:childTnLst>
+                              <p:par>
+                                <p:cTn id="9" presetID="1" presetClass="entr" presetSubtype="0" fill="hold" nodeType="clickEffect">
+                                  <p:stCondLst>
+                                    <p:cond delay="0"/>
+                                  </p:stCondLst>
+                                  <p:childTnLst>
+                                    <p:set>
+                                      <p:cBhvr>
+                                        <p:cTn id="10" dur="1" fill="hold">
+                                          <p:stCondLst>
+                                            <p:cond delay="0"/>
+                                          </p:stCondLst>
+                                        </p:cTn>
+                                        <p:tgtEl>
+                                          <p:spTgt spid="39"/>
+                                        </p:tgtEl>
+                                        <p:attrNameLst>
+                                          <p:attrName>style.visibility</p:attrName>
+                                        </p:attrNameLst>
+                                      </p:cBhvr>
+                                      <p:to>
+                                        <p:strVal val="visible"/>
+                                      </p:to>
+                                    </p:set>
+                                  </p:childTnLst>
+                                </p:cTn>
+                              </p:par>
+                            </p:childTnLst>
+                          </p:cTn>
+                        </p:par>
+                      </p:childTnLst>
+                    </p:cTn>
+                  </p:par>
+                </p:childTnLst>
+              </p:cTn>
+              <p:prevCondLst>
+                <p:cond evt="onPrev" delay="0">
+                  <p:tgtEl>
+                    <p:sldTgt/>
+                  </p:tgtEl>
+                </p:cond>
+              </p:prevCondLst>
+              <p:nextCondLst>
+                <p:cond evt="onNext" delay="0">
+                  <p:tgtEl>
+                    <p:sldTgt/>
+                  </p:tgtEl>
+                </p:cond>
+              </p:nextCondLst>
+            </p:seq>
+          </p:childTnLst>
+        </p:cTn>
       </p:par>
     </p:tnLst>
   </p:timing>
@@ -41109,7 +41865,7 @@
         <p:spPr>
           <a:xfrm>
             <a:off x="566737" y="1104900"/>
-            <a:ext cx="8382000" cy="3785652"/>
+            <a:ext cx="8382000" cy="3754874"/>
           </a:xfrm>
           <a:prstGeom prst="rect">
             <a:avLst/>
@@ -41243,8 +41999,19 @@
                 <a:latin typeface="+mn-lt"/>
                 <a:cs typeface="PFDinTextCompPro-Italic"/>
               </a:rPr>
-              <a:t>i</a:t>
-            </a:r>
+              <a:t>i </a:t>
+            </a:r>
+            <a:r>
+              <a:rPr lang="en-US" sz="2800" dirty="0" smtClean="0">
+                <a:latin typeface="PFDinTextCompPro-Italic"/>
+                <a:cs typeface="PFDinTextCompPro-Italic"/>
+              </a:rPr>
+              <a:t>(how far away are other points) </a:t>
+            </a:r>
+            <a:endParaRPr lang="en-US" sz="2500" i="1" baseline="-25000" dirty="0" smtClean="0">
+              <a:latin typeface="+mn-lt"/>
+              <a:cs typeface="PFDinTextCompPro-Italic"/>
+            </a:endParaRPr>
           </a:p>
           <a:p>
             <a:pPr algn="l"/>
@@ -41290,6 +42057,24 @@
               </a:rPr>
               <a:t>i</a:t>
             </a:r>
+            <a:r>
+              <a:rPr lang="en-US" sz="2500" i="1" baseline="-25000" dirty="0">
+                <a:latin typeface="News706 BT"/>
+                <a:cs typeface="PFDinTextCompPro-Italic"/>
+              </a:rPr>
+              <a:t> </a:t>
+            </a:r>
+            <a:r>
+              <a:rPr lang="en-US" sz="2800" dirty="0" smtClean="0">
+                <a:latin typeface="PFDinTextCompPro-Italic"/>
+                <a:cs typeface="PFDinTextCompPro-Italic"/>
+              </a:rPr>
+              <a:t>(“ “ “ “ other clusters)</a:t>
+            </a:r>
+            <a:endParaRPr lang="en-US" sz="2500" i="1" baseline="-25000" dirty="0" smtClean="0">
+              <a:latin typeface="+mn-lt"/>
+              <a:cs typeface="PFDinTextCompPro-Italic"/>
+            </a:endParaRPr>
           </a:p>
           <a:p>
             <a:pPr algn="l"/>
@@ -41298,7 +42083,14 @@
                 <a:latin typeface="+mn-lt"/>
                 <a:cs typeface="PFDinTextCompPro-Italic"/>
               </a:rPr>
-              <a:t>    b</a:t>
+              <a:t>    </a:t>
+            </a:r>
+            <a:r>
+              <a:rPr lang="en-US" sz="2500" i="1" dirty="0" smtClean="0">
+                <a:latin typeface="+mn-lt"/>
+                <a:cs typeface="PFDinTextCompPro-Italic"/>
+              </a:rPr>
+              <a:t>b</a:t>
             </a:r>
             <a:r>
               <a:rPr lang="en-US" sz="2500" i="1" baseline="-25000" dirty="0" smtClean="0">
@@ -41356,6 +42148,24 @@
               </a:rPr>
               <a:t>)</a:t>
             </a:r>
+            <a:r>
+              <a:rPr lang="en-US" sz="2500" i="1" baseline="-25000" dirty="0">
+                <a:latin typeface="News706 BT"/>
+                <a:cs typeface="PFDinTextCompPro-Italic"/>
+              </a:rPr>
+              <a:t> </a:t>
+            </a:r>
+            <a:r>
+              <a:rPr lang="en-US" sz="2800" dirty="0" smtClean="0">
+                <a:latin typeface="PFDinTextCompPro-Italic"/>
+                <a:cs typeface="PFDinTextCompPro-Italic"/>
+              </a:rPr>
+              <a:t>(minimum other cluster distance)</a:t>
+            </a:r>
+            <a:endParaRPr lang="en-US" sz="2500" i="1" dirty="0" smtClean="0">
+              <a:latin typeface="+mn-lt"/>
+              <a:cs typeface="PFDinTextCompPro-Italic"/>
+            </a:endParaRPr>
           </a:p>
         </p:txBody>
       </p:sp>
